--- a/docs/week-11-string-structures/ce205-week-11-string-structures.md_word.pptx
+++ b/docs/week-11-string-structures/ce205-week-11-string-structures.md_word.pptx
@@ -9,6 +9,20 @@
     <p:sldId id="257" r:id="rId3"/>
     <p:sldId id="258" r:id="rId4"/>
     <p:sldId id="259" r:id="rId5"/>
+    <p:sldId id="260" r:id="rId6"/>
+    <p:sldId id="261" r:id="rId7"/>
+    <p:sldId id="262" r:id="rId8"/>
+    <p:sldId id="263" r:id="rId9"/>
+    <p:sldId id="264" r:id="rId10"/>
+    <p:sldId id="265" r:id="rId11"/>
+    <p:sldId id="266" r:id="rId12"/>
+    <p:sldId id="267" r:id="rId13"/>
+    <p:sldId id="268" r:id="rId14"/>
+    <p:sldId id="269" r:id="rId15"/>
+    <p:sldId id="270" r:id="rId16"/>
+    <p:sldId id="271" r:id="rId17"/>
+    <p:sldId id="272" r:id="rId18"/>
+    <p:sldId id="273" r:id="rId19"/>
   </p:sldIdLst>
   <p:sldSz cx="9144000" cy="6858000" type="screen4x3"/>
   <p:notesSz cx="6858000" cy="9144000"/>
@@ -3210,6 +3224,766 @@
 </p:sld>
 </file>
 
+<file path=ppt/slides/slide10.xml><?xml version="1.0" encoding="utf-8"?>
+<p:sld xmlns:a="http://schemas.openxmlformats.org/drawingml/2006/main" xmlns:r="http://schemas.openxmlformats.org/officeDocument/2006/relationships" xmlns:p="http://schemas.openxmlformats.org/presentationml/2006/main">
+  <p:cSld>
+    <p:spTree>
+      <p:nvGrpSpPr>
+        <p:cNvPr id="1" name=""/>
+        <p:cNvGrpSpPr/>
+        <p:nvPr/>
+      </p:nvGrpSpPr>
+      <p:grpSpPr>
+        <a:xfrm>
+          <a:off x="0" y="0"/>
+          <a:ext cx="0" cy="0"/>
+          <a:chOff x="0" y="0"/>
+          <a:chExt cx="0" cy="0"/>
+        </a:xfrm>
+      </p:grpSpPr>
+      <p:sp>
+        <p:nvSpPr>
+          <p:cNvPr id="3" name="Content Placeholder 2"/>
+          <p:cNvSpPr>
+            <a:spLocks noGrp="1"/>
+          </p:cNvSpPr>
+          <p:nvPr>
+            <p:ph idx="1"/>
+          </p:nvPr>
+        </p:nvSpPr>
+        <p:spPr/>
+        <p:txBody>
+          <a:bodyPr/>
+          <a:lstStyle/>
+          <a:p>
+            <a:pPr lvl="0" indent="0" marL="0">
+              <a:spcBef>
+                <a:spcPts val="3000"/>
+              </a:spcBef>
+              <a:buNone/>
+            </a:pPr>
+            <a:r>
+              <a:rPr b="1"/>
+              <a:t>Longest common subsequence problem</a:t>
+            </a:r>
+          </a:p>
+          <a:p>
+            <a:pPr lvl="0" indent="0" marL="0">
+              <a:spcBef>
+                <a:spcPts val="3000"/>
+              </a:spcBef>
+              <a:buNone/>
+            </a:pPr>
+            <a:r>
+              <a:rPr b="1"/>
+              <a:t>Levenshtein distance</a:t>
+            </a:r>
+          </a:p>
+          <a:p>
+            <a:pPr lvl="0"/>
+            <a:r>
+              <a:rPr/>
+              <a:t>https://en.wikipedia.org/wiki/Levenshtein_distance</a:t>
+            </a:r>
+          </a:p>
+          <a:p>
+            <a:pPr lvl="0"/>
+            <a:r>
+              <a:rPr/>
+              <a:t>https://www.geeksforgeeks.org/java-program-to-implement-levenshtein-distance-computing-algorithm/?ref=gcse</a:t>
+            </a:r>
+          </a:p>
+          <a:p>
+            <a:pPr lvl="0"/>
+            <a:r>
+              <a:rPr/>
+              <a:t>https://medium.com/@ethannam/understanding-the-levenshtein-distance-equation-for-beginners-c4285a5604f0</a:t>
+            </a:r>
+          </a:p>
+          <a:p>
+            <a:pPr lvl="0"/>
+            <a:r>
+              <a:rPr/>
+              <a:t>https://www.educative.io/answers/the-levenshtein-distance-algorithm</a:t>
+            </a:r>
+          </a:p>
+        </p:txBody>
+      </p:sp>
+    </p:spTree>
+  </p:cSld>
+</p:sld>
+</file>
+
+<file path=ppt/slides/slide11.xml><?xml version="1.0" encoding="utf-8"?>
+<p:sld xmlns:a="http://schemas.openxmlformats.org/drawingml/2006/main" xmlns:r="http://schemas.openxmlformats.org/officeDocument/2006/relationships" xmlns:p="http://schemas.openxmlformats.org/presentationml/2006/main">
+  <p:cSld>
+    <p:spTree>
+      <p:nvGrpSpPr>
+        <p:cNvPr id="1" name=""/>
+        <p:cNvGrpSpPr/>
+        <p:nvPr/>
+      </p:nvGrpSpPr>
+      <p:grpSpPr>
+        <a:xfrm>
+          <a:off x="0" y="0"/>
+          <a:ext cx="0" cy="0"/>
+          <a:chOff x="0" y="0"/>
+          <a:chExt cx="0" cy="0"/>
+        </a:xfrm>
+      </p:grpSpPr>
+      <p:sp>
+        <p:nvSpPr>
+          <p:cNvPr id="3" name="Content Placeholder 2"/>
+          <p:cNvSpPr>
+            <a:spLocks noGrp="1"/>
+          </p:cNvSpPr>
+          <p:nvPr>
+            <p:ph idx="1"/>
+          </p:nvPr>
+        </p:nvSpPr>
+        <p:spPr/>
+        <p:txBody>
+          <a:bodyPr/>
+          <a:lstStyle/>
+          <a:p>
+            <a:pPr lvl="0" indent="0" marL="0">
+              <a:spcBef>
+                <a:spcPts val="3000"/>
+              </a:spcBef>
+              <a:buNone/>
+            </a:pPr>
+            <a:r>
+              <a:rPr b="1"/>
+              <a:t>Longest common subsequence problem</a:t>
+            </a:r>
+          </a:p>
+          <a:p>
+            <a:pPr lvl="0" indent="0" marL="0">
+              <a:spcBef>
+                <a:spcPts val="3000"/>
+              </a:spcBef>
+              <a:buNone/>
+            </a:pPr>
+            <a:r>
+              <a:rPr b="1"/>
+              <a:t>Wagner–Fischer algorithm</a:t>
+            </a:r>
+          </a:p>
+          <a:p>
+            <a:pPr lvl="0"/>
+            <a:r>
+              <a:rPr/>
+              <a:t>https://en.wikipedia.org/wiki/Wagner%E2%80%93Fischer_algorithm</a:t>
+            </a:r>
+          </a:p>
+          <a:p>
+            <a:pPr lvl="0"/>
+            <a:r>
+              <a:rPr/>
+              <a:t>https://www.geeksforgeeks.org/java-program-to-implement-wagner-and-fisher-algorithm-for-online-string-matching/</a:t>
+            </a:r>
+          </a:p>
+        </p:txBody>
+      </p:sp>
+    </p:spTree>
+  </p:cSld>
+</p:sld>
+</file>
+
+<file path=ppt/slides/slide12.xml><?xml version="1.0" encoding="utf-8"?>
+<p:sld xmlns:a="http://schemas.openxmlformats.org/drawingml/2006/main" xmlns:r="http://schemas.openxmlformats.org/officeDocument/2006/relationships" xmlns:p="http://schemas.openxmlformats.org/presentationml/2006/main">
+  <p:cSld>
+    <p:spTree>
+      <p:nvGrpSpPr>
+        <p:cNvPr id="1" name=""/>
+        <p:cNvGrpSpPr/>
+        <p:nvPr/>
+      </p:nvGrpSpPr>
+      <p:grpSpPr>
+        <a:xfrm>
+          <a:off x="0" y="0"/>
+          <a:ext cx="0" cy="0"/>
+          <a:chOff x="0" y="0"/>
+          <a:chExt cx="0" cy="0"/>
+        </a:xfrm>
+      </p:grpSpPr>
+      <p:sp>
+        <p:nvSpPr>
+          <p:cNvPr id="3" name="Content Placeholder 2"/>
+          <p:cNvSpPr>
+            <a:spLocks noGrp="1"/>
+          </p:cNvSpPr>
+          <p:nvPr>
+            <p:ph idx="1"/>
+          </p:nvPr>
+        </p:nvSpPr>
+        <p:spPr/>
+        <p:txBody>
+          <a:bodyPr/>
+          <a:lstStyle/>
+          <a:p>
+            <a:pPr lvl="0" indent="0" marL="0">
+              <a:spcBef>
+                <a:spcPts val="3000"/>
+              </a:spcBef>
+              <a:buNone/>
+            </a:pPr>
+            <a:r>
+              <a:rPr b="1"/>
+              <a:t>String Alignment</a:t>
+            </a:r>
+          </a:p>
+          <a:p>
+            <a:pPr lvl="0"/>
+            <a:r>
+              <a:rPr/>
+              <a:t>https://www.geeksforgeeks.org/sequence-alignment-problem/?ref=gcse</a:t>
+            </a:r>
+          </a:p>
+        </p:txBody>
+      </p:sp>
+    </p:spTree>
+  </p:cSld>
+</p:sld>
+</file>
+
+<file path=ppt/slides/slide13.xml><?xml version="1.0" encoding="utf-8"?>
+<p:sld xmlns:a="http://schemas.openxmlformats.org/drawingml/2006/main" xmlns:r="http://schemas.openxmlformats.org/officeDocument/2006/relationships" xmlns:p="http://schemas.openxmlformats.org/presentationml/2006/main">
+  <p:cSld>
+    <p:spTree>
+      <p:nvGrpSpPr>
+        <p:cNvPr id="1" name=""/>
+        <p:cNvGrpSpPr/>
+        <p:nvPr/>
+      </p:nvGrpSpPr>
+      <p:grpSpPr>
+        <a:xfrm>
+          <a:off x="0" y="0"/>
+          <a:ext cx="0" cy="0"/>
+          <a:chOff x="0" y="0"/>
+          <a:chExt cx="0" cy="0"/>
+        </a:xfrm>
+      </p:grpSpPr>
+      <p:sp>
+        <p:nvSpPr>
+          <p:cNvPr id="3" name="Content Placeholder 2"/>
+          <p:cNvSpPr>
+            <a:spLocks noGrp="1"/>
+          </p:cNvSpPr>
+          <p:nvPr>
+            <p:ph idx="1"/>
+          </p:nvPr>
+        </p:nvSpPr>
+        <p:spPr/>
+        <p:txBody>
+          <a:bodyPr/>
+          <a:lstStyle/>
+          <a:p>
+            <a:pPr lvl="0" indent="0" marL="0">
+              <a:spcBef>
+                <a:spcPts val="3000"/>
+              </a:spcBef>
+              <a:buNone/>
+            </a:pPr>
+            <a:r>
+              <a:rPr b="1"/>
+              <a:t>String Alignment</a:t>
+            </a:r>
+          </a:p>
+          <a:p>
+            <a:pPr lvl="0" indent="0" marL="0">
+              <a:spcBef>
+                <a:spcPts val="3000"/>
+              </a:spcBef>
+              <a:buNone/>
+            </a:pPr>
+            <a:r>
+              <a:rPr b="1"/>
+              <a:t>Needleman Wunsch</a:t>
+            </a:r>
+          </a:p>
+          <a:p>
+            <a:pPr lvl="0"/>
+            <a:r>
+              <a:rPr/>
+              <a:t>https://en.wikipedia.org/wiki/Needleman%E2%80%93Wunsch_algorithm</a:t>
+            </a:r>
+          </a:p>
+          <a:p>
+            <a:pPr lvl="0"/>
+            <a:r>
+              <a:rPr/>
+              <a:t>https://www.geeksforgeeks.org/sequence-alignment-problem/?ref=gcse</a:t>
+            </a:r>
+          </a:p>
+          <a:p>
+            <a:pPr lvl="0"/>
+            <a:r>
+              <a:rPr/>
+              <a:t>https://berthub.eu/nwunsch/</a:t>
+            </a:r>
+          </a:p>
+          <a:p>
+            <a:pPr lvl="0"/>
+            <a:r>
+              <a:rPr/>
+              <a:t>http://experiments.mostafa.io/public/needleman-wunsch/index.html</a:t>
+            </a:r>
+          </a:p>
+          <a:p>
+            <a:pPr lvl="0"/>
+            <a:r>
+              <a:rPr/>
+              <a:t>https://zhanggroup.org/NW-align/</a:t>
+            </a:r>
+          </a:p>
+        </p:txBody>
+      </p:sp>
+    </p:spTree>
+  </p:cSld>
+</p:sld>
+</file>
+
+<file path=ppt/slides/slide14.xml><?xml version="1.0" encoding="utf-8"?>
+<p:sld xmlns:a="http://schemas.openxmlformats.org/drawingml/2006/main" xmlns:r="http://schemas.openxmlformats.org/officeDocument/2006/relationships" xmlns:p="http://schemas.openxmlformats.org/presentationml/2006/main">
+  <p:cSld>
+    <p:spTree>
+      <p:nvGrpSpPr>
+        <p:cNvPr id="1" name=""/>
+        <p:cNvGrpSpPr/>
+        <p:nvPr/>
+      </p:nvGrpSpPr>
+      <p:grpSpPr>
+        <a:xfrm>
+          <a:off x="0" y="0"/>
+          <a:ext cx="0" cy="0"/>
+          <a:chOff x="0" y="0"/>
+          <a:chExt cx="0" cy="0"/>
+        </a:xfrm>
+      </p:grpSpPr>
+      <p:sp>
+        <p:nvSpPr>
+          <p:cNvPr id="3" name="Content Placeholder 2"/>
+          <p:cNvSpPr>
+            <a:spLocks noGrp="1"/>
+          </p:cNvSpPr>
+          <p:nvPr>
+            <p:ph idx="1"/>
+          </p:nvPr>
+        </p:nvSpPr>
+        <p:spPr/>
+        <p:txBody>
+          <a:bodyPr/>
+          <a:lstStyle/>
+          <a:p>
+            <a:pPr lvl="0" indent="0" marL="0">
+              <a:spcBef>
+                <a:spcPts val="3000"/>
+              </a:spcBef>
+              <a:buNone/>
+            </a:pPr>
+            <a:r>
+              <a:rPr b="1"/>
+              <a:t>String Alignment</a:t>
+            </a:r>
+          </a:p>
+          <a:p>
+            <a:pPr lvl="0" indent="0" marL="0">
+              <a:spcBef>
+                <a:spcPts val="3000"/>
+              </a:spcBef>
+              <a:buNone/>
+            </a:pPr>
+            <a:r>
+              <a:rPr b="1"/>
+              <a:t>Smith Waterman</a:t>
+            </a:r>
+          </a:p>
+          <a:p>
+            <a:pPr lvl="0"/>
+            <a:r>
+              <a:rPr/>
+              <a:t>https://en.wikipedia.org/wiki/Smith%E2%80%93Waterman_algorithm</a:t>
+            </a:r>
+          </a:p>
+          <a:p>
+            <a:pPr lvl="0"/>
+            <a:r>
+              <a:rPr/>
+              <a:t>http://jaligner.sourceforge.net/</a:t>
+            </a:r>
+          </a:p>
+          <a:p>
+            <a:pPr lvl="0"/>
+            <a:r>
+              <a:rPr/>
+              <a:t>http://baba.sourceforge.net/</a:t>
+            </a:r>
+          </a:p>
+          <a:p>
+            <a:pPr lvl="0"/>
+            <a:r>
+              <a:rPr/>
+              <a:t>https://doc.ugene.net/wiki/display/UUOUM15/Smith-Waterman+Search</a:t>
+            </a:r>
+          </a:p>
+          <a:p>
+            <a:pPr lvl="0"/>
+            <a:r>
+              <a:rPr/>
+              <a:t>https://www.ebi.ac.uk/Tools/sss/fasta/</a:t>
+            </a:r>
+          </a:p>
+        </p:txBody>
+      </p:sp>
+    </p:spTree>
+  </p:cSld>
+</p:sld>
+</file>
+
+<file path=ppt/slides/slide15.xml><?xml version="1.0" encoding="utf-8"?>
+<p:sld xmlns:a="http://schemas.openxmlformats.org/drawingml/2006/main" xmlns:r="http://schemas.openxmlformats.org/officeDocument/2006/relationships" xmlns:p="http://schemas.openxmlformats.org/presentationml/2006/main">
+  <p:cSld>
+    <p:spTree>
+      <p:nvGrpSpPr>
+        <p:cNvPr id="1" name=""/>
+        <p:cNvGrpSpPr/>
+        <p:nvPr/>
+      </p:nvGrpSpPr>
+      <p:grpSpPr>
+        <a:xfrm>
+          <a:off x="0" y="0"/>
+          <a:ext cx="0" cy="0"/>
+          <a:chOff x="0" y="0"/>
+          <a:chExt cx="0" cy="0"/>
+        </a:xfrm>
+      </p:grpSpPr>
+      <p:sp>
+        <p:nvSpPr>
+          <p:cNvPr id="3" name="Content Placeholder 2"/>
+          <p:cNvSpPr>
+            <a:spLocks noGrp="1"/>
+          </p:cNvSpPr>
+          <p:nvPr>
+            <p:ph idx="1"/>
+          </p:nvPr>
+        </p:nvSpPr>
+        <p:spPr/>
+        <p:txBody>
+          <a:bodyPr/>
+          <a:lstStyle/>
+          <a:p>
+            <a:pPr lvl="0" indent="0" marL="0">
+              <a:spcBef>
+                <a:spcPts val="3000"/>
+              </a:spcBef>
+              <a:buNone/>
+            </a:pPr>
+            <a:r>
+              <a:rPr b="1"/>
+              <a:t>String Alignment</a:t>
+            </a:r>
+          </a:p>
+          <a:p>
+            <a:pPr lvl="0" indent="0" marL="0">
+              <a:spcBef>
+                <a:spcPts val="3000"/>
+              </a:spcBef>
+              <a:buNone/>
+            </a:pPr>
+            <a:r>
+              <a:rPr b="1"/>
+              <a:t>Hunt Macllory</a:t>
+            </a:r>
+          </a:p>
+          <a:p>
+            <a:pPr lvl="0"/>
+            <a:r>
+              <a:rPr/>
+              <a:t>https://en.wikipedia.org/wiki/Hunt%E2%80%93Szymanski_algorithm</a:t>
+            </a:r>
+          </a:p>
+          <a:p>
+            <a:pPr lvl="0"/>
+            <a:r>
+              <a:rPr/>
+              <a:t>https://www.geeksforgeeks.org/python-program-for-longest-common-subsequence/?ref=gcse</a:t>
+            </a:r>
+          </a:p>
+          <a:p>
+            <a:pPr lvl="0"/>
+            <a:r>
+              <a:rPr/>
+              <a:t>https://imada.sdu.dk/~rolf/Edu/DM823/E16/HuntSzymanski.pdf</a:t>
+            </a:r>
+          </a:p>
+          <a:p>
+            <a:pPr lvl="0"/>
+            <a:r>
+              <a:rPr/>
+              <a:t>https://github.com/LetsTrie/Code-Library-Of-Others/blob/master/sgtlaugh/Hunt-Szymanski.cpp</a:t>
+            </a:r>
+          </a:p>
+        </p:txBody>
+      </p:sp>
+    </p:spTree>
+  </p:cSld>
+</p:sld>
+</file>
+
+<file path=ppt/slides/slide16.xml><?xml version="1.0" encoding="utf-8"?>
+<p:sld xmlns:a="http://schemas.openxmlformats.org/drawingml/2006/main" xmlns:r="http://schemas.openxmlformats.org/officeDocument/2006/relationships" xmlns:p="http://schemas.openxmlformats.org/presentationml/2006/main">
+  <p:cSld>
+    <p:spTree>
+      <p:nvGrpSpPr>
+        <p:cNvPr id="1" name=""/>
+        <p:cNvGrpSpPr/>
+        <p:nvPr/>
+      </p:nvGrpSpPr>
+      <p:grpSpPr>
+        <a:xfrm>
+          <a:off x="0" y="0"/>
+          <a:ext cx="0" cy="0"/>
+          <a:chOff x="0" y="0"/>
+          <a:chExt cx="0" cy="0"/>
+        </a:xfrm>
+      </p:grpSpPr>
+      <p:sp>
+        <p:nvSpPr>
+          <p:cNvPr id="3" name="Content Placeholder 2"/>
+          <p:cNvSpPr>
+            <a:spLocks noGrp="1"/>
+          </p:cNvSpPr>
+          <p:nvPr>
+            <p:ph idx="1"/>
+          </p:nvPr>
+        </p:nvSpPr>
+        <p:spPr/>
+        <p:txBody>
+          <a:bodyPr/>
+          <a:lstStyle/>
+          <a:p>
+            <a:pPr lvl="0" indent="0" marL="0">
+              <a:spcBef>
+                <a:spcPts val="3000"/>
+              </a:spcBef>
+              <a:buNone/>
+            </a:pPr>
+            <a:r>
+              <a:rPr b="1"/>
+              <a:t>String Tokenizer</a:t>
+            </a:r>
+          </a:p>
+          <a:p>
+            <a:pPr lvl="0"/>
+            <a:r>
+              <a:rPr/>
+              <a:t>https://towardsdatascience.com/tokenization-algorithms-explained-e25d5f4322ac</a:t>
+            </a:r>
+          </a:p>
+          <a:p>
+            <a:pPr lvl="0"/>
+            <a:r>
+              <a:rPr/>
+              <a:t>https://www.oreilly.com/library/view/applied-natural-language/9781492062561/ch04.html</a:t>
+            </a:r>
+          </a:p>
+          <a:p>
+            <a:pPr lvl="0"/>
+            <a:r>
+              <a:rPr/>
+              <a:t>https://www.geeksforgeeks.org/nlp-how-tokenizing-text-sentence-words-works/?ref=gcse</a:t>
+            </a:r>
+          </a:p>
+          <a:p>
+            <a:pPr lvl="0"/>
+            <a:r>
+              <a:rPr/>
+              <a:t>https://github.com/frohoff/jdk8u-dev-jdk/blob/master/src/share/classes/java/util/StringTokenizer.java</a:t>
+            </a:r>
+          </a:p>
+        </p:txBody>
+      </p:sp>
+    </p:spTree>
+  </p:cSld>
+</p:sld>
+</file>
+
+<file path=ppt/slides/slide17.xml><?xml version="1.0" encoding="utf-8"?>
+<p:sld xmlns:a="http://schemas.openxmlformats.org/drawingml/2006/main" xmlns:r="http://schemas.openxmlformats.org/officeDocument/2006/relationships" xmlns:p="http://schemas.openxmlformats.org/presentationml/2006/main">
+  <p:cSld>
+    <p:spTree>
+      <p:nvGrpSpPr>
+        <p:cNvPr id="1" name=""/>
+        <p:cNvGrpSpPr/>
+        <p:nvPr/>
+      </p:nvGrpSpPr>
+      <p:grpSpPr>
+        <a:xfrm>
+          <a:off x="0" y="0"/>
+          <a:ext cx="0" cy="0"/>
+          <a:chOff x="0" y="0"/>
+          <a:chExt cx="0" cy="0"/>
+        </a:xfrm>
+      </p:grpSpPr>
+      <p:sp>
+        <p:nvSpPr>
+          <p:cNvPr id="3" name="Content Placeholder 2"/>
+          <p:cNvSpPr>
+            <a:spLocks noGrp="1"/>
+          </p:cNvSpPr>
+          <p:nvPr>
+            <p:ph idx="1"/>
+          </p:nvPr>
+        </p:nvSpPr>
+        <p:spPr/>
+        <p:txBody>
+          <a:bodyPr/>
+          <a:lstStyle/>
+          <a:p>
+            <a:pPr lvl="0" indent="0" marL="0">
+              <a:spcBef>
+                <a:spcPts val="3000"/>
+              </a:spcBef>
+              <a:buNone/>
+            </a:pPr>
+            <a:r>
+              <a:rPr b="1"/>
+              <a:t>String Comparison</a:t>
+            </a:r>
+          </a:p>
+          <a:p>
+            <a:pPr lvl="0"/>
+            <a:r>
+              <a:rPr/>
+              <a:t>https://en.wikipedia.org/wiki/String-searching_algorithm</a:t>
+            </a:r>
+          </a:p>
+          <a:p>
+            <a:pPr lvl="0"/>
+            <a:r>
+              <a:rPr/>
+              <a:t>https://www.geeksforgeeks.org/compare-two-strings-in-java/</a:t>
+            </a:r>
+          </a:p>
+          <a:p>
+            <a:pPr lvl="0"/>
+            <a:r>
+              <a:rPr/>
+              <a:t>https://www.geeksforgeeks.org/comparing-two-strings-cpp/</a:t>
+            </a:r>
+          </a:p>
+        </p:txBody>
+      </p:sp>
+    </p:spTree>
+  </p:cSld>
+</p:sld>
+</file>
+
+<file path=ppt/slides/slide18.xml><?xml version="1.0" encoding="utf-8"?>
+<p:sld xmlns:a="http://schemas.openxmlformats.org/drawingml/2006/main" xmlns:r="http://schemas.openxmlformats.org/officeDocument/2006/relationships" xmlns:p="http://schemas.openxmlformats.org/presentationml/2006/main">
+  <p:cSld>
+    <p:spTree>
+      <p:nvGrpSpPr>
+        <p:cNvPr id="1" name=""/>
+        <p:cNvGrpSpPr/>
+        <p:nvPr/>
+      </p:nvGrpSpPr>
+      <p:grpSpPr>
+        <a:xfrm>
+          <a:off x="0" y="0"/>
+          <a:ext cx="0" cy="0"/>
+          <a:chOff x="0" y="0"/>
+          <a:chExt cx="0" cy="0"/>
+        </a:xfrm>
+      </p:grpSpPr>
+      <mc:AlternateContent xmlns:mc="http://schemas.openxmlformats.org/markup-compatibility/2006">
+        <mc:Choice xmlns:a14="http://schemas.microsoft.com/office/drawing/2010/main" Requires="a14">
+          <p:sp>
+            <p:nvSpPr>
+              <p:cNvPr id="3" name="Content Placeholder 2"/>
+              <p:cNvSpPr>
+                <a:spLocks noGrp="1"/>
+              </p:cNvSpPr>
+              <p:nvPr>
+                <p:ph idx="1"/>
+              </p:nvPr>
+            </p:nvSpPr>
+            <p:spPr/>
+            <p:txBody>
+              <a:bodyPr/>
+              <a:lstStyle/>
+              <a:p>
+                <a:pPr lvl="0" indent="0" marL="0">
+                  <a:buNone/>
+                </a:pPr>
+                <a14:m>
+                  <m:oMathPara xmlns:m="http://schemas.openxmlformats.org/officeDocument/2006/math">
+                    <m:oMathParaPr>
+                      <m:jc m:val="center"/>
+                    </m:oMathParaPr>
+                    <m:oMath>
+                      <m:r>
+                        <m:t>E</m:t>
+                      </m:r>
+                      <m:r>
+                        <m:t>n</m:t>
+                      </m:r>
+                      <m:r>
+                        <m:t>d</m:t>
+                      </m:r>
+                      <m:r>
+                        <m:rPr>
+                          <m:sty m:val="p"/>
+                        </m:rPr>
+                        <m:t>−</m:t>
+                      </m:r>
+                      <m:r>
+                        <m:t>O</m:t>
+                      </m:r>
+                      <m:r>
+                        <m:t>f</m:t>
+                      </m:r>
+                      <m:r>
+                        <m:rPr>
+                          <m:sty m:val="p"/>
+                        </m:rPr>
+                        <m:t>−</m:t>
+                      </m:r>
+                      <m:r>
+                        <m:t>W</m:t>
+                      </m:r>
+                      <m:r>
+                        <m:t>e</m:t>
+                      </m:r>
+                      <m:r>
+                        <m:t>e</m:t>
+                      </m:r>
+                      <m:r>
+                        <m:t>k</m:t>
+                      </m:r>
+                      <m:r>
+                        <m:rPr>
+                          <m:sty m:val="p"/>
+                        </m:rPr>
+                        <m:t>−</m:t>
+                      </m:r>
+                      <m:r>
+                        <m:t>11</m:t>
+                      </m:r>
+                    </m:oMath>
+                  </m:oMathPara>
+                </a14:m>
+              </a:p>
+            </p:txBody>
+          </p:sp>
+        </mc:Choice>
+      </mc:AlternateContent>
+    </p:spTree>
+  </p:cSld>
+</p:sld>
+</file>
+
 <file path=ppt/slides/slide2.xml><?xml version="1.0" encoding="utf-8"?>
 <p:sld xmlns:a="http://schemas.openxmlformats.org/drawingml/2006/main" xmlns:r="http://schemas.openxmlformats.org/officeDocument/2006/relationships" xmlns:p="http://schemas.openxmlformats.org/presentationml/2006/main">
   <p:cSld>
@@ -3351,7 +4125,7 @@
             </a:pPr>
             <a:r>
               <a:rPr/>
-              <a:t>Advaced Tree Data Structures (Binary Search Tree, AVL Tree, B Trees and derivations,Red-Black trees, Splay Trees and Augmented Data Structures, van Emde Boas Trees, Binomial and Minimax Trees ) and Comparisons.</a:t>
+              <a:t>String Data Structures</a:t>
             </a:r>
           </a:p>
         </p:txBody>
@@ -3403,6 +4177,453 @@
                 <a:hlinkClick r:id="rId4"/>
               </a:rPr>
               <a:t>PPTX</a:t>
+            </a:r>
+          </a:p>
+        </p:txBody>
+      </p:sp>
+    </p:spTree>
+  </p:cSld>
+</p:sld>
+</file>
+
+<file path=ppt/slides/slide5.xml><?xml version="1.0" encoding="utf-8"?>
+<p:sld xmlns:a="http://schemas.openxmlformats.org/drawingml/2006/main" xmlns:r="http://schemas.openxmlformats.org/officeDocument/2006/relationships" xmlns:p="http://schemas.openxmlformats.org/presentationml/2006/main">
+  <p:cSld>
+    <p:spTree>
+      <p:nvGrpSpPr>
+        <p:cNvPr id="1" name=""/>
+        <p:cNvGrpSpPr/>
+        <p:nvPr/>
+      </p:nvGrpSpPr>
+      <p:grpSpPr>
+        <a:xfrm>
+          <a:off x="0" y="0"/>
+          <a:ext cx="0" cy="0"/>
+          <a:chOff x="0" y="0"/>
+          <a:chExt cx="0" cy="0"/>
+        </a:xfrm>
+      </p:grpSpPr>
+      <p:sp>
+        <p:nvSpPr>
+          <p:cNvPr id="2" name="Title 1"/>
+          <p:cNvSpPr>
+            <a:spLocks noGrp="1"/>
+          </p:cNvSpPr>
+          <p:nvPr>
+            <p:ph type="title"/>
+          </p:nvPr>
+        </p:nvSpPr>
+        <p:spPr/>
+        <p:txBody>
+          <a:bodyPr/>
+          <a:lstStyle/>
+          <a:p>
+            <a:pPr lvl="0" indent="0" marL="0">
+              <a:buNone/>
+            </a:pPr>
+            <a:r>
+              <a:rPr/>
+              <a:t>Outline</a:t>
+            </a:r>
+          </a:p>
+        </p:txBody>
+      </p:sp>
+      <p:sp>
+        <p:nvSpPr>
+          <p:cNvPr id="3" name="Content Placeholder 2"/>
+          <p:cNvSpPr>
+            <a:spLocks noGrp="1"/>
+          </p:cNvSpPr>
+          <p:nvPr>
+            <p:ph idx="1"/>
+          </p:nvPr>
+        </p:nvSpPr>
+        <p:spPr/>
+        <p:txBody>
+          <a:bodyPr/>
+          <a:lstStyle/>
+          <a:p>
+            <a:pPr lvl="0"/>
+            <a:r>
+              <a:rPr/>
+              <a:t>Strings -Longest common subsequence problem</a:t>
+            </a:r>
+          </a:p>
+          <a:p>
+            <a:pPr lvl="1"/>
+            <a:r>
+              <a:rPr/>
+              <a:t>Longest increasing subsequence</a:t>
+            </a:r>
+          </a:p>
+          <a:p>
+            <a:pPr lvl="1"/>
+            <a:r>
+              <a:rPr/>
+              <a:t>Hunt–Szymanski algorithm (Hunt Macllory)</a:t>
+            </a:r>
+          </a:p>
+          <a:p>
+            <a:pPr lvl="1"/>
+            <a:r>
+              <a:rPr/>
+              <a:t>Levenshtein distance</a:t>
+            </a:r>
+          </a:p>
+          <a:p>
+            <a:pPr lvl="1"/>
+            <a:r>
+              <a:rPr/>
+              <a:t>Wagner–Fischer algorithm</a:t>
+            </a:r>
+          </a:p>
+          <a:p>
+            <a:pPr lvl="1"/>
+            <a:r>
+              <a:rPr/>
+              <a:t>String Alignment</a:t>
+            </a:r>
+          </a:p>
+          <a:p>
+            <a:pPr lvl="2"/>
+            <a:r>
+              <a:rPr/>
+              <a:t>Needleman Wunsch</a:t>
+            </a:r>
+          </a:p>
+          <a:p>
+            <a:pPr lvl="2"/>
+            <a:r>
+              <a:rPr/>
+              <a:t>Smith Waterman</a:t>
+            </a:r>
+          </a:p>
+          <a:p>
+            <a:pPr lvl="2"/>
+            <a:r>
+              <a:rPr/>
+              <a:t>Hunt Macllory</a:t>
+            </a:r>
+          </a:p>
+          <a:p>
+            <a:pPr lvl="1"/>
+            <a:r>
+              <a:rPr/>
+              <a:t>String Tokenizer</a:t>
+            </a:r>
+          </a:p>
+          <a:p>
+            <a:pPr lvl="1"/>
+            <a:r>
+              <a:rPr/>
+              <a:t>String Comparison</a:t>
+            </a:r>
+          </a:p>
+        </p:txBody>
+      </p:sp>
+    </p:spTree>
+  </p:cSld>
+</p:sld>
+</file>
+
+<file path=ppt/slides/slide6.xml><?xml version="1.0" encoding="utf-8"?>
+<p:sld xmlns:a="http://schemas.openxmlformats.org/drawingml/2006/main" xmlns:r="http://schemas.openxmlformats.org/officeDocument/2006/relationships" xmlns:p="http://schemas.openxmlformats.org/presentationml/2006/main">
+  <p:cSld>
+    <p:spTree>
+      <p:nvGrpSpPr>
+        <p:cNvPr id="1" name=""/>
+        <p:cNvGrpSpPr/>
+        <p:nvPr/>
+      </p:nvGrpSpPr>
+      <p:grpSpPr>
+        <a:xfrm>
+          <a:off x="0" y="0"/>
+          <a:ext cx="0" cy="0"/>
+          <a:chOff x="0" y="0"/>
+          <a:chExt cx="0" cy="0"/>
+        </a:xfrm>
+      </p:grpSpPr>
+      <p:sp>
+        <p:nvSpPr>
+          <p:cNvPr id="2" name="Title 1"/>
+          <p:cNvSpPr>
+            <a:spLocks noGrp="1"/>
+          </p:cNvSpPr>
+          <p:nvPr>
+            <p:ph type="title"/>
+          </p:nvPr>
+        </p:nvSpPr>
+        <p:spPr/>
+        <p:txBody>
+          <a:bodyPr/>
+          <a:lstStyle/>
+          <a:p>
+            <a:pPr lvl="0" indent="0" marL="0">
+              <a:buNone/>
+            </a:pPr>
+            <a:r>
+              <a:rPr b="1"/>
+              <a:t>Strings</a:t>
+            </a:r>
+          </a:p>
+        </p:txBody>
+      </p:sp>
+      <p:sp>
+        <p:nvSpPr>
+          <p:cNvPr id="3" name="Content Placeholder 2"/>
+          <p:cNvSpPr>
+            <a:spLocks noGrp="1"/>
+          </p:cNvSpPr>
+          <p:nvPr>
+            <p:ph idx="1"/>
+          </p:nvPr>
+        </p:nvSpPr>
+        <p:spPr/>
+        <p:txBody>
+          <a:bodyPr/>
+          <a:lstStyle/>
+          <a:p>
+            <a:pPr lvl="0"/>
+            <a:r>
+              <a:rPr/>
+              <a:t>https://www.geeksforgeeks.org/string-data-structure/</a:t>
+            </a:r>
+          </a:p>
+        </p:txBody>
+      </p:sp>
+    </p:spTree>
+  </p:cSld>
+</p:sld>
+</file>
+
+<file path=ppt/slides/slide7.xml><?xml version="1.0" encoding="utf-8"?>
+<p:sld xmlns:a="http://schemas.openxmlformats.org/drawingml/2006/main" xmlns:r="http://schemas.openxmlformats.org/officeDocument/2006/relationships" xmlns:p="http://schemas.openxmlformats.org/presentationml/2006/main">
+  <p:cSld>
+    <p:spTree>
+      <p:nvGrpSpPr>
+        <p:cNvPr id="1" name=""/>
+        <p:cNvGrpSpPr/>
+        <p:nvPr/>
+      </p:nvGrpSpPr>
+      <p:grpSpPr>
+        <a:xfrm>
+          <a:off x="0" y="0"/>
+          <a:ext cx="0" cy="0"/>
+          <a:chOff x="0" y="0"/>
+          <a:chExt cx="0" cy="0"/>
+        </a:xfrm>
+      </p:grpSpPr>
+      <p:sp>
+        <p:nvSpPr>
+          <p:cNvPr id="3" name="Content Placeholder 2"/>
+          <p:cNvSpPr>
+            <a:spLocks noGrp="1"/>
+          </p:cNvSpPr>
+          <p:nvPr>
+            <p:ph idx="1"/>
+          </p:nvPr>
+        </p:nvSpPr>
+        <p:spPr/>
+        <p:txBody>
+          <a:bodyPr/>
+          <a:lstStyle/>
+          <a:p>
+            <a:pPr lvl="0" indent="0" marL="0">
+              <a:spcBef>
+                <a:spcPts val="3000"/>
+              </a:spcBef>
+              <a:buNone/>
+            </a:pPr>
+            <a:r>
+              <a:rPr b="1"/>
+              <a:t>Longest common subsequence problem</a:t>
+            </a:r>
+          </a:p>
+          <a:p>
+            <a:pPr lvl="0"/>
+            <a:r>
+              <a:rPr/>
+              <a:t>https://ucoruh.github.io/ce100-algorithms-and-programming-II/week-6/ce100-week-6-lcs/?h=lcs#problem-3-longest-common-subsequence</a:t>
+            </a:r>
+          </a:p>
+          <a:p>
+            <a:pPr lvl="0"/>
+            <a:r>
+              <a:rPr/>
+              <a:t>https://www.geeksforgeeks.org/longest-common-subsequence-dp-4/</a:t>
+            </a:r>
+          </a:p>
+          <a:p>
+            <a:pPr lvl="0"/>
+            <a:r>
+              <a:rPr/>
+              <a:t>https://www.programiz.com/dsa/longest-common-subsequence</a:t>
+            </a:r>
+          </a:p>
+        </p:txBody>
+      </p:sp>
+    </p:spTree>
+  </p:cSld>
+</p:sld>
+</file>
+
+<file path=ppt/slides/slide8.xml><?xml version="1.0" encoding="utf-8"?>
+<p:sld xmlns:a="http://schemas.openxmlformats.org/drawingml/2006/main" xmlns:r="http://schemas.openxmlformats.org/officeDocument/2006/relationships" xmlns:p="http://schemas.openxmlformats.org/presentationml/2006/main">
+  <p:cSld>
+    <p:spTree>
+      <p:nvGrpSpPr>
+        <p:cNvPr id="1" name=""/>
+        <p:cNvGrpSpPr/>
+        <p:nvPr/>
+      </p:nvGrpSpPr>
+      <p:grpSpPr>
+        <a:xfrm>
+          <a:off x="0" y="0"/>
+          <a:ext cx="0" cy="0"/>
+          <a:chOff x="0" y="0"/>
+          <a:chExt cx="0" cy="0"/>
+        </a:xfrm>
+      </p:grpSpPr>
+      <p:sp>
+        <p:nvSpPr>
+          <p:cNvPr id="3" name="Content Placeholder 2"/>
+          <p:cNvSpPr>
+            <a:spLocks noGrp="1"/>
+          </p:cNvSpPr>
+          <p:nvPr>
+            <p:ph idx="1"/>
+          </p:nvPr>
+        </p:nvSpPr>
+        <p:spPr/>
+        <p:txBody>
+          <a:bodyPr/>
+          <a:lstStyle/>
+          <a:p>
+            <a:pPr lvl="0" indent="0" marL="0">
+              <a:spcBef>
+                <a:spcPts val="3000"/>
+              </a:spcBef>
+              <a:buNone/>
+            </a:pPr>
+            <a:r>
+              <a:rPr b="1"/>
+              <a:t>Longest common subsequence problem</a:t>
+            </a:r>
+          </a:p>
+          <a:p>
+            <a:pPr lvl="0" indent="0" marL="0">
+              <a:spcBef>
+                <a:spcPts val="3000"/>
+              </a:spcBef>
+              <a:buNone/>
+            </a:pPr>
+            <a:r>
+              <a:rPr b="1"/>
+              <a:t>Longest increasing subsequence</a:t>
+            </a:r>
+          </a:p>
+          <a:p>
+            <a:pPr lvl="0"/>
+            <a:r>
+              <a:rPr/>
+              <a:t>https://www.geeksforgeeks.org/longest-increasing-subsequence-dp-3/#:~:text=The%20Longest%20Increasing%20Subsequence%20(LIS)%20problem%20is%20to%20find%20the,50%2C%2060%2C%2080%7D.</a:t>
+            </a:r>
+          </a:p>
+          <a:p>
+            <a:pPr lvl="0"/>
+            <a:r>
+              <a:rPr/>
+              <a:t>https://cp-algorithms.com/sequences/longest_increasing_subsequence.html</a:t>
+            </a:r>
+          </a:p>
+        </p:txBody>
+      </p:sp>
+    </p:spTree>
+  </p:cSld>
+</p:sld>
+</file>
+
+<file path=ppt/slides/slide9.xml><?xml version="1.0" encoding="utf-8"?>
+<p:sld xmlns:a="http://schemas.openxmlformats.org/drawingml/2006/main" xmlns:r="http://schemas.openxmlformats.org/officeDocument/2006/relationships" xmlns:p="http://schemas.openxmlformats.org/presentationml/2006/main">
+  <p:cSld>
+    <p:spTree>
+      <p:nvGrpSpPr>
+        <p:cNvPr id="1" name=""/>
+        <p:cNvGrpSpPr/>
+        <p:nvPr/>
+      </p:nvGrpSpPr>
+      <p:grpSpPr>
+        <a:xfrm>
+          <a:off x="0" y="0"/>
+          <a:ext cx="0" cy="0"/>
+          <a:chOff x="0" y="0"/>
+          <a:chExt cx="0" cy="0"/>
+        </a:xfrm>
+      </p:grpSpPr>
+      <p:sp>
+        <p:nvSpPr>
+          <p:cNvPr id="3" name="Content Placeholder 2"/>
+          <p:cNvSpPr>
+            <a:spLocks noGrp="1"/>
+          </p:cNvSpPr>
+          <p:nvPr>
+            <p:ph idx="1"/>
+          </p:nvPr>
+        </p:nvSpPr>
+        <p:spPr/>
+        <p:txBody>
+          <a:bodyPr/>
+          <a:lstStyle/>
+          <a:p>
+            <a:pPr lvl="0" indent="0" marL="0">
+              <a:spcBef>
+                <a:spcPts val="3000"/>
+              </a:spcBef>
+              <a:buNone/>
+            </a:pPr>
+            <a:r>
+              <a:rPr b="1"/>
+              <a:t>Longest common subsequence problem</a:t>
+            </a:r>
+          </a:p>
+          <a:p>
+            <a:pPr lvl="0" indent="0" marL="0">
+              <a:spcBef>
+                <a:spcPts val="3000"/>
+              </a:spcBef>
+              <a:buNone/>
+            </a:pPr>
+            <a:r>
+              <a:rPr b="1"/>
+              <a:t>Hunt–Szymanski algorithm (Hunt Macllory)</a:t>
+            </a:r>
+          </a:p>
+          <a:p>
+            <a:pPr lvl="0"/>
+            <a:r>
+              <a:rPr/>
+              <a:t>https://en.wikipedia.org/wiki/Hunt%E2%80%93Szymanski_algorithm</a:t>
+            </a:r>
+          </a:p>
+          <a:p>
+            <a:pPr lvl="0"/>
+            <a:r>
+              <a:rPr/>
+              <a:t>https://www.geeksforgeeks.org/python-program-for-longest-common-subsequence/?ref=gcse</a:t>
+            </a:r>
+          </a:p>
+          <a:p>
+            <a:pPr lvl="0"/>
+            <a:r>
+              <a:rPr/>
+              <a:t>https://imada.sdu.dk/~rolf/Edu/DM823/E16/HuntSzymanski.pdf</a:t>
+            </a:r>
+          </a:p>
+          <a:p>
+            <a:pPr lvl="0"/>
+            <a:r>
+              <a:rPr/>
+              <a:t>https://github.com/LetsTrie/Code-Library-Of-Others/blob/master/sgtlaugh/Hunt-Szymanski.cpp</a:t>
             </a:r>
           </a:p>
         </p:txBody>
